--- a/presentation.pptx
+++ b/presentation.pptx
@@ -6348,45 +6348,6 @@
           </a:prstGeom>
         </p:spPr>
       </p:pic>
-      <p:cxnSp>
-        <p:nvCxnSpPr>
-          <p:cNvPr id="24" name="Straight Arrow Connector 23">
-            <a:extLst>
-              <a:ext uri="{FF2B5EF4-FFF2-40B4-BE49-F238E27FC236}">
-                <a16:creationId xmlns:a16="http://schemas.microsoft.com/office/drawing/2014/main" id="{319A4E9B-DD7D-35FB-DC75-097ED04B0954}"/>
-              </a:ext>
-            </a:extLst>
-          </p:cNvPr>
-          <p:cNvCxnSpPr/>
-          <p:nvPr/>
-        </p:nvCxnSpPr>
-        <p:spPr>
-          <a:xfrm>
-            <a:off x="3344985" y="7004160"/>
-            <a:ext cx="421482" cy="0"/>
-          </a:xfrm>
-          <a:prstGeom prst="straightConnector1">
-            <a:avLst/>
-          </a:prstGeom>
-          <a:ln>
-            <a:tailEnd type="triangle"/>
-          </a:ln>
-        </p:spPr>
-        <p:style>
-          <a:lnRef idx="1">
-            <a:schemeClr val="accent1"/>
-          </a:lnRef>
-          <a:fillRef idx="0">
-            <a:schemeClr val="accent1"/>
-          </a:fillRef>
-          <a:effectRef idx="0">
-            <a:schemeClr val="accent1"/>
-          </a:effectRef>
-          <a:fontRef idx="minor">
-            <a:schemeClr val="tx1"/>
-          </a:fontRef>
-        </p:style>
-      </p:cxnSp>
       <p:cxnSp>
         <p:nvCxnSpPr>
           <p:cNvPr id="28" name="Straight Arrow Connector 27">

--- a/presentation.pptx
+++ b/presentation.pptx
@@ -230,7 +230,7 @@
           <a:p>
             <a:fld id="{15A55B7C-E26A-41A2-84B6-4FCC664A0319}" type="datetimeFigureOut">
               <a:rPr lang="en-US" smtClean="0"/>
-              <a:t>6/4/2022</a:t>
+              <a:t>6/10/2022</a:t>
             </a:fld>
             <a:endParaRPr lang="en-US"/>
           </a:p>
@@ -742,7 +742,7 @@
           <a:p>
             <a:fld id="{45C15FF7-AAB2-4735-857F-BD7B58724A2C}" type="datetime1">
               <a:rPr lang="en-US" smtClean="0"/>
-              <a:t>6/4/2022</a:t>
+              <a:t>6/10/2022</a:t>
             </a:fld>
             <a:endParaRPr lang="en-US" dirty="0"/>
           </a:p>
@@ -1000,7 +1000,7 @@
           <a:p>
             <a:fld id="{D5412D04-C344-4A31-8277-B50C1D04BB0B}" type="datetime1">
               <a:rPr lang="en-US" smtClean="0"/>
-              <a:t>6/4/2022</a:t>
+              <a:t>6/10/2022</a:t>
             </a:fld>
             <a:endParaRPr lang="en-US" dirty="0"/>
           </a:p>
@@ -1231,7 +1231,7 @@
           <a:p>
             <a:fld id="{03E4AFAB-1B89-4012-B445-8F8F066C7610}" type="datetime1">
               <a:rPr lang="en-US" smtClean="0"/>
-              <a:t>6/4/2022</a:t>
+              <a:t>6/10/2022</a:t>
             </a:fld>
             <a:endParaRPr lang="en-US" dirty="0"/>
           </a:p>
@@ -1467,7 +1467,7 @@
           <a:p>
             <a:fld id="{C69B0AC3-886C-41EC-8D1A-1A634A0D162B}" type="datetime1">
               <a:rPr lang="en-US" smtClean="0"/>
-              <a:t>6/4/2022</a:t>
+              <a:t>6/10/2022</a:t>
             </a:fld>
             <a:endParaRPr lang="en-US" dirty="0"/>
           </a:p>
@@ -1770,7 +1770,7 @@
           <a:p>
             <a:fld id="{C7B3571B-9C58-474A-A079-A20186BDB8A5}" type="datetime1">
               <a:rPr lang="en-US" smtClean="0"/>
-              <a:t>6/4/2022</a:t>
+              <a:t>6/10/2022</a:t>
             </a:fld>
             <a:endParaRPr lang="en-US" dirty="0"/>
           </a:p>
@@ -2068,7 +2068,7 @@
           <a:p>
             <a:fld id="{09E34BEC-8582-494C-BCEE-B540947ED113}" type="datetime1">
               <a:rPr lang="en-US" smtClean="0"/>
-              <a:t>6/4/2022</a:t>
+              <a:t>6/10/2022</a:t>
             </a:fld>
             <a:endParaRPr lang="en-US" dirty="0"/>
           </a:p>
@@ -2486,7 +2486,7 @@
           <a:p>
             <a:fld id="{462EADD7-2FC8-4BB9-93A2-7E4996DEA69E}" type="datetime1">
               <a:rPr lang="en-US" smtClean="0"/>
-              <a:t>6/4/2022</a:t>
+              <a:t>6/10/2022</a:t>
             </a:fld>
             <a:endParaRPr lang="en-US" dirty="0"/>
           </a:p>
@@ -2577,7 +2577,7 @@
           <a:p>
             <a:fld id="{36149DFF-C3C1-446B-B194-79F5D05AC4E4}" type="datetime1">
               <a:rPr lang="en-US" smtClean="0"/>
-              <a:t>6/4/2022</a:t>
+              <a:t>6/10/2022</a:t>
             </a:fld>
             <a:endParaRPr lang="en-US" dirty="0"/>
           </a:p>
@@ -2735,7 +2735,7 @@
           <a:p>
             <a:fld id="{866F841B-071B-4C39-B016-0950B5C9F2D3}" type="datetime1">
               <a:rPr lang="en-US" smtClean="0"/>
-              <a:t>6/4/2022</a:t>
+              <a:t>6/10/2022</a:t>
             </a:fld>
             <a:endParaRPr lang="en-US" dirty="0"/>
           </a:p>
@@ -3109,7 +3109,7 @@
           <a:p>
             <a:fld id="{5472FCFB-DB7C-4A66-A1F8-524BEFBD57D6}" type="datetime1">
               <a:rPr lang="en-US" smtClean="0"/>
-              <a:t>6/4/2022</a:t>
+              <a:t>6/10/2022</a:t>
             </a:fld>
             <a:endParaRPr lang="en-US" dirty="0"/>
           </a:p>
@@ -3394,7 +3394,7 @@
           <a:p>
             <a:fld id="{3A4EA394-CA77-4DEC-A272-7F71DB54A33A}" type="datetime1">
               <a:rPr lang="en-US" smtClean="0"/>
-              <a:t>6/4/2022</a:t>
+              <a:t>6/10/2022</a:t>
             </a:fld>
             <a:endParaRPr lang="en-US" dirty="0"/>
           </a:p>
@@ -3601,7 +3601,7 @@
           <a:p>
             <a:fld id="{1AD11C8A-811F-43D3-9924-66F83AAD894C}" type="datetime1">
               <a:rPr lang="en-US" smtClean="0"/>
-              <a:t>6/4/2022</a:t>
+              <a:t>6/10/2022</a:t>
             </a:fld>
             <a:endParaRPr lang="en-US" dirty="0"/>
           </a:p>
@@ -7801,10 +7801,10 @@
       </p:pic>
       <p:pic>
         <p:nvPicPr>
-          <p:cNvPr id="9" name="Picture 8">
+          <p:cNvPr id="13" name="Picture 12">
             <a:extLst>
               <a:ext uri="{FF2B5EF4-FFF2-40B4-BE49-F238E27FC236}">
-                <a16:creationId xmlns:a16="http://schemas.microsoft.com/office/drawing/2014/main" id="{B48C6EDB-54D7-0930-FFA4-7119E7A34A0A}"/>
+                <a16:creationId xmlns:a16="http://schemas.microsoft.com/office/drawing/2014/main" id="{8FAF55D9-556B-195E-E66A-B35EF638C822}"/>
               </a:ext>
             </a:extLst>
           </p:cNvPr>
@@ -7821,8 +7821,8 @@
         </p:blipFill>
         <p:spPr>
           <a:xfrm>
-            <a:off x="2953705" y="4943834"/>
-            <a:ext cx="738005" cy="657912"/>
+            <a:off x="8842828" y="3953774"/>
+            <a:ext cx="672781" cy="599766"/>
           </a:xfrm>
           <a:prstGeom prst="rect">
             <a:avLst/>
@@ -7831,10 +7831,10 @@
       </p:pic>
       <p:pic>
         <p:nvPicPr>
-          <p:cNvPr id="11" name="Picture 10">
+          <p:cNvPr id="20" name="Picture 19">
             <a:extLst>
               <a:ext uri="{FF2B5EF4-FFF2-40B4-BE49-F238E27FC236}">
-                <a16:creationId xmlns:a16="http://schemas.microsoft.com/office/drawing/2014/main" id="{6D094785-EA2A-F439-001E-5ED5AD226AA4}"/>
+                <a16:creationId xmlns:a16="http://schemas.microsoft.com/office/drawing/2014/main" id="{C9B1DE64-EF81-C93A-866E-9AD5963EB686}"/>
               </a:ext>
             </a:extLst>
           </p:cNvPr>
@@ -7851,8 +7851,8 @@
         </p:blipFill>
         <p:spPr>
           <a:xfrm>
-            <a:off x="2952354" y="2929776"/>
-            <a:ext cx="737315" cy="657912"/>
+            <a:off x="8828709" y="4745198"/>
+            <a:ext cx="690319" cy="620209"/>
           </a:xfrm>
           <a:prstGeom prst="rect">
             <a:avLst/>
@@ -7861,10 +7861,10 @@
       </p:pic>
       <p:pic>
         <p:nvPicPr>
-          <p:cNvPr id="13" name="Picture 12">
+          <p:cNvPr id="8" name="Picture 7">
             <a:extLst>
               <a:ext uri="{FF2B5EF4-FFF2-40B4-BE49-F238E27FC236}">
-                <a16:creationId xmlns:a16="http://schemas.microsoft.com/office/drawing/2014/main" id="{8FAF55D9-556B-195E-E66A-B35EF638C822}"/>
+                <a16:creationId xmlns:a16="http://schemas.microsoft.com/office/drawing/2014/main" id="{92B5CE57-B7E5-2A9B-9EAC-661FBB7414E6}"/>
               </a:ext>
             </a:extLst>
           </p:cNvPr>
@@ -7881,8 +7881,8 @@
         </p:blipFill>
         <p:spPr>
           <a:xfrm>
-            <a:off x="8842828" y="3953774"/>
-            <a:ext cx="672781" cy="599766"/>
+            <a:off x="2975787" y="3127475"/>
+            <a:ext cx="690448" cy="301525"/>
           </a:xfrm>
           <a:prstGeom prst="rect">
             <a:avLst/>
@@ -7891,10 +7891,10 @@
       </p:pic>
       <p:pic>
         <p:nvPicPr>
-          <p:cNvPr id="16" name="Picture 15">
+          <p:cNvPr id="12" name="Picture 11">
             <a:extLst>
               <a:ext uri="{FF2B5EF4-FFF2-40B4-BE49-F238E27FC236}">
-                <a16:creationId xmlns:a16="http://schemas.microsoft.com/office/drawing/2014/main" id="{5A3266D9-0881-E556-1388-52AE7F0813B7}"/>
+                <a16:creationId xmlns:a16="http://schemas.microsoft.com/office/drawing/2014/main" id="{BDB86B49-7660-04DA-08B7-5477DA366424}"/>
               </a:ext>
             </a:extLst>
           </p:cNvPr>
@@ -7911,8 +7911,8 @@
         </p:blipFill>
         <p:spPr>
           <a:xfrm>
-            <a:off x="2939655" y="3975999"/>
-            <a:ext cx="762712" cy="657912"/>
+            <a:off x="3141634" y="3895628"/>
+            <a:ext cx="371250" cy="657912"/>
           </a:xfrm>
           <a:prstGeom prst="rect">
             <a:avLst/>
@@ -7921,10 +7921,10 @@
       </p:pic>
       <p:pic>
         <p:nvPicPr>
-          <p:cNvPr id="20" name="Picture 19">
+          <p:cNvPr id="15" name="Picture 14">
             <a:extLst>
               <a:ext uri="{FF2B5EF4-FFF2-40B4-BE49-F238E27FC236}">
-                <a16:creationId xmlns:a16="http://schemas.microsoft.com/office/drawing/2014/main" id="{C9B1DE64-EF81-C93A-866E-9AD5963EB686}"/>
+                <a16:creationId xmlns:a16="http://schemas.microsoft.com/office/drawing/2014/main" id="{85301408-001D-6487-85AC-6BDACF8A8739}"/>
               </a:ext>
             </a:extLst>
           </p:cNvPr>
@@ -7941,8 +7941,8 @@
         </p:blipFill>
         <p:spPr>
           <a:xfrm>
-            <a:off x="8828709" y="4745198"/>
-            <a:ext cx="690319" cy="620209"/>
+            <a:off x="3006592" y="5016787"/>
+            <a:ext cx="659643" cy="306595"/>
           </a:xfrm>
           <a:prstGeom prst="rect">
             <a:avLst/>
